--- a/Fixed Income-22.pptx
+++ b/Fixed Income-22.pptx
@@ -5,7 +5,7 @@
     <p:sldMasterId id="2147483660" r:id="rId1"/>
   </p:sldMasterIdLst>
   <p:notesMasterIdLst>
-    <p:notesMasterId r:id="rId9"/>
+    <p:notesMasterId r:id="rId13"/>
   </p:notesMasterIdLst>
   <p:sldIdLst>
     <p:sldId id="351" r:id="rId2"/>
@@ -14,7 +14,11 @@
     <p:sldId id="392" r:id="rId5"/>
     <p:sldId id="393" r:id="rId6"/>
     <p:sldId id="394" r:id="rId7"/>
-    <p:sldId id="391" r:id="rId8"/>
+    <p:sldId id="395" r:id="rId8"/>
+    <p:sldId id="396" r:id="rId9"/>
+    <p:sldId id="397" r:id="rId10"/>
+    <p:sldId id="398" r:id="rId11"/>
+    <p:sldId id="391" r:id="rId12"/>
   </p:sldIdLst>
   <p:sldSz cx="12192000" cy="6858000"/>
   <p:notesSz cx="6858000" cy="9144000"/>
@@ -4008,7 +4012,7 @@
           <a:p>
             <a:fld id="{4A16A21B-FD69-4679-B14E-370A94751CA9}" type="datetimeFigureOut">
               <a:rPr lang="en-US" smtClean="0"/>
-              <a:t>2/15/2023</a:t>
+              <a:t>2/16/2023</a:t>
             </a:fld>
             <a:endParaRPr lang="en-US"/>
           </a:p>
@@ -4340,7 +4344,91 @@
           <a:p>
             <a:fld id="{43ACBD6F-9B07-4342-ABAA-436C29FEC17A}" type="slidenum">
               <a:rPr lang="en-US" smtClean="0"/>
-              <a:t>7</a:t>
+              <a:t>9</a:t>
+            </a:fld>
+            <a:endParaRPr lang="en-US"/>
+          </a:p>
+        </p:txBody>
+      </p:sp>
+    </p:spTree>
+    <p:extLst>
+      <p:ext uri="{BB962C8B-B14F-4D97-AF65-F5344CB8AC3E}">
+        <p14:creationId xmlns:p14="http://schemas.microsoft.com/office/powerpoint/2010/main" val="753962692"/>
+      </p:ext>
+    </p:extLst>
+  </p:cSld>
+  <p:clrMapOvr>
+    <a:masterClrMapping/>
+  </p:clrMapOvr>
+</p:notes>
+</file>
+
+<file path=ppt/notesSlides/notesSlide2.xml><?xml version="1.0" encoding="utf-8"?>
+<p:notes xmlns:a="http://schemas.openxmlformats.org/drawingml/2006/main" xmlns:r="http://schemas.openxmlformats.org/officeDocument/2006/relationships" xmlns:p="http://schemas.openxmlformats.org/presentationml/2006/main">
+  <p:cSld>
+    <p:spTree>
+      <p:nvGrpSpPr>
+        <p:cNvPr id="1" name=""/>
+        <p:cNvGrpSpPr/>
+        <p:nvPr/>
+      </p:nvGrpSpPr>
+      <p:grpSpPr>
+        <a:xfrm>
+          <a:off x="0" y="0"/>
+          <a:ext cx="0" cy="0"/>
+          <a:chOff x="0" y="0"/>
+          <a:chExt cx="0" cy="0"/>
+        </a:xfrm>
+      </p:grpSpPr>
+      <p:sp>
+        <p:nvSpPr>
+          <p:cNvPr id="2" name="Slide Image Placeholder 1"/>
+          <p:cNvSpPr>
+            <a:spLocks noGrp="1" noRot="1" noChangeAspect="1"/>
+          </p:cNvSpPr>
+          <p:nvPr>
+            <p:ph type="sldImg"/>
+          </p:nvPr>
+        </p:nvSpPr>
+        <p:spPr/>
+      </p:sp>
+      <p:sp>
+        <p:nvSpPr>
+          <p:cNvPr id="3" name="Notes Placeholder 2"/>
+          <p:cNvSpPr>
+            <a:spLocks noGrp="1"/>
+          </p:cNvSpPr>
+          <p:nvPr>
+            <p:ph type="body" idx="1"/>
+          </p:nvPr>
+        </p:nvSpPr>
+        <p:spPr/>
+        <p:txBody>
+          <a:bodyPr/>
+          <a:lstStyle/>
+          <a:p>
+            <a:endParaRPr lang="en-US" dirty="0"/>
+          </a:p>
+        </p:txBody>
+      </p:sp>
+      <p:sp>
+        <p:nvSpPr>
+          <p:cNvPr id="4" name="Slide Number Placeholder 3"/>
+          <p:cNvSpPr>
+            <a:spLocks noGrp="1"/>
+          </p:cNvSpPr>
+          <p:nvPr>
+            <p:ph type="sldNum" sz="quarter" idx="5"/>
+          </p:nvPr>
+        </p:nvSpPr>
+        <p:spPr/>
+        <p:txBody>
+          <a:bodyPr/>
+          <a:lstStyle/>
+          <a:p>
+            <a:fld id="{43ACBD6F-9B07-4342-ABAA-436C29FEC17A}" type="slidenum">
+              <a:rPr lang="en-US" smtClean="0"/>
+              <a:t>11</a:t>
             </a:fld>
             <a:endParaRPr lang="en-US"/>
           </a:p>
@@ -13152,7 +13240,7 @@
           <a:p>
             <a:fld id="{B9F246AD-0D43-4BFA-BE26-F6CE5970EACA}" type="datetimeFigureOut">
               <a:rPr lang="en-US" smtClean="0"/>
-              <a:t>2/15/2023</a:t>
+              <a:t>2/16/2023</a:t>
             </a:fld>
             <a:endParaRPr lang="en-US"/>
           </a:p>
@@ -13359,7 +13447,7 @@
           <a:p>
             <a:fld id="{B9F246AD-0D43-4BFA-BE26-F6CE5970EACA}" type="datetimeFigureOut">
               <a:rPr lang="en-US" smtClean="0"/>
-              <a:t>2/15/2023</a:t>
+              <a:t>2/16/2023</a:t>
             </a:fld>
             <a:endParaRPr lang="en-US"/>
           </a:p>
@@ -13539,7 +13627,7 @@
           <a:p>
             <a:fld id="{B9F246AD-0D43-4BFA-BE26-F6CE5970EACA}" type="datetimeFigureOut">
               <a:rPr lang="en-US" smtClean="0"/>
-              <a:t>2/15/2023</a:t>
+              <a:t>2/16/2023</a:t>
             </a:fld>
             <a:endParaRPr lang="en-US"/>
           </a:p>
@@ -13744,7 +13832,7 @@
           <a:p>
             <a:fld id="{B9F246AD-0D43-4BFA-BE26-F6CE5970EACA}" type="datetimeFigureOut">
               <a:rPr lang="en-US" smtClean="0"/>
-              <a:t>2/15/2023</a:t>
+              <a:t>2/16/2023</a:t>
             </a:fld>
             <a:endParaRPr lang="en-US"/>
           </a:p>
@@ -22642,7 +22730,7 @@
           <a:p>
             <a:fld id="{B9F246AD-0D43-4BFA-BE26-F6CE5970EACA}" type="datetimeFigureOut">
               <a:rPr lang="en-US" smtClean="0"/>
-              <a:t>2/15/2023</a:t>
+              <a:t>2/16/2023</a:t>
             </a:fld>
             <a:endParaRPr lang="en-US"/>
           </a:p>
@@ -22916,7 +23004,7 @@
           <a:p>
             <a:fld id="{B9F246AD-0D43-4BFA-BE26-F6CE5970EACA}" type="datetimeFigureOut">
               <a:rPr lang="en-US" smtClean="0"/>
-              <a:t>2/15/2023</a:t>
+              <a:t>2/16/2023</a:t>
             </a:fld>
             <a:endParaRPr lang="en-US"/>
           </a:p>
@@ -23314,7 +23402,7 @@
           <a:p>
             <a:fld id="{B9F246AD-0D43-4BFA-BE26-F6CE5970EACA}" type="datetimeFigureOut">
               <a:rPr lang="en-US" smtClean="0"/>
-              <a:t>2/15/2023</a:t>
+              <a:t>2/16/2023</a:t>
             </a:fld>
             <a:endParaRPr lang="en-US"/>
           </a:p>
@@ -23432,7 +23520,7 @@
           <a:p>
             <a:fld id="{B9F246AD-0D43-4BFA-BE26-F6CE5970EACA}" type="datetimeFigureOut">
               <a:rPr lang="en-US" smtClean="0"/>
-              <a:t>2/15/2023</a:t>
+              <a:t>2/16/2023</a:t>
             </a:fld>
             <a:endParaRPr lang="en-US"/>
           </a:p>
@@ -23527,7 +23615,7 @@
           <a:p>
             <a:fld id="{B9F246AD-0D43-4BFA-BE26-F6CE5970EACA}" type="datetimeFigureOut">
               <a:rPr lang="en-US" smtClean="0"/>
-              <a:t>2/15/2023</a:t>
+              <a:t>2/16/2023</a:t>
             </a:fld>
             <a:endParaRPr lang="en-US"/>
           </a:p>
@@ -23817,7 +23905,7 @@
           <a:p>
             <a:fld id="{B9F246AD-0D43-4BFA-BE26-F6CE5970EACA}" type="datetimeFigureOut">
               <a:rPr lang="en-US" smtClean="0"/>
-              <a:t>2/15/2023</a:t>
+              <a:t>2/16/2023</a:t>
             </a:fld>
             <a:endParaRPr lang="en-US"/>
           </a:p>
@@ -24097,7 +24185,7 @@
           <a:p>
             <a:fld id="{B9F246AD-0D43-4BFA-BE26-F6CE5970EACA}" type="datetimeFigureOut">
               <a:rPr lang="en-US" smtClean="0"/>
-              <a:t>2/15/2023</a:t>
+              <a:t>2/16/2023</a:t>
             </a:fld>
             <a:endParaRPr lang="en-US"/>
           </a:p>
@@ -24347,7 +24435,7 @@
           <a:p>
             <a:fld id="{B9F246AD-0D43-4BFA-BE26-F6CE5970EACA}" type="datetimeFigureOut">
               <a:rPr lang="en-US" smtClean="0"/>
-              <a:t>2/15/2023</a:t>
+              <a:t>2/16/2023</a:t>
             </a:fld>
             <a:endParaRPr lang="en-US"/>
           </a:p>
@@ -24919,6 +25007,291 @@
     <p:extLst>
       <p:ext uri="{BB962C8B-B14F-4D97-AF65-F5344CB8AC3E}">
         <p14:creationId xmlns:p14="http://schemas.microsoft.com/office/powerpoint/2010/main" val="948447150"/>
+      </p:ext>
+    </p:extLst>
+  </p:cSld>
+  <p:clrMapOvr>
+    <a:masterClrMapping/>
+  </p:clrMapOvr>
+</p:sld>
+</file>
+
+<file path=ppt/slides/slide10.xml><?xml version="1.0" encoding="utf-8"?>
+<p:sld xmlns:a="http://schemas.openxmlformats.org/drawingml/2006/main" xmlns:r="http://schemas.openxmlformats.org/officeDocument/2006/relationships" xmlns:p="http://schemas.openxmlformats.org/presentationml/2006/main">
+  <p:cSld>
+    <p:spTree>
+      <p:nvGrpSpPr>
+        <p:cNvPr id="1" name=""/>
+        <p:cNvGrpSpPr/>
+        <p:nvPr/>
+      </p:nvGrpSpPr>
+      <p:grpSpPr>
+        <a:xfrm>
+          <a:off x="0" y="0"/>
+          <a:ext cx="0" cy="0"/>
+          <a:chOff x="0" y="0"/>
+          <a:chExt cx="0" cy="0"/>
+        </a:xfrm>
+      </p:grpSpPr>
+      <p:sp>
+        <p:nvSpPr>
+          <p:cNvPr id="2" name="Title 1">
+            <a:extLst>
+              <a:ext uri="{FF2B5EF4-FFF2-40B4-BE49-F238E27FC236}">
+                <a16:creationId xmlns:a16="http://schemas.microsoft.com/office/drawing/2014/main" id="{CCF32C11-2F26-4966-97B7-48D9D4496757}"/>
+              </a:ext>
+            </a:extLst>
+          </p:cNvPr>
+          <p:cNvSpPr>
+            <a:spLocks noGrp="1"/>
+          </p:cNvSpPr>
+          <p:nvPr>
+            <p:ph type="title"/>
+          </p:nvPr>
+        </p:nvSpPr>
+        <p:spPr/>
+        <p:txBody>
+          <a:bodyPr/>
+          <a:lstStyle/>
+          <a:p>
+            <a:r>
+              <a:rPr lang="en-US" dirty="0"/>
+              <a:t>Practices	</a:t>
+            </a:r>
+          </a:p>
+        </p:txBody>
+      </p:sp>
+      <p:sp>
+        <p:nvSpPr>
+          <p:cNvPr id="3" name="Content Placeholder 2">
+            <a:extLst>
+              <a:ext uri="{FF2B5EF4-FFF2-40B4-BE49-F238E27FC236}">
+                <a16:creationId xmlns:a16="http://schemas.microsoft.com/office/drawing/2014/main" id="{D532A051-FFAD-461B-803F-884E2CF0C8A8}"/>
+              </a:ext>
+            </a:extLst>
+          </p:cNvPr>
+          <p:cNvSpPr>
+            <a:spLocks noGrp="1"/>
+          </p:cNvSpPr>
+          <p:nvPr>
+            <p:ph idx="1"/>
+          </p:nvPr>
+        </p:nvSpPr>
+        <p:spPr/>
+        <p:txBody>
+          <a:bodyPr>
+            <a:normAutofit fontScale="92500" lnSpcReduction="20000"/>
+          </a:bodyPr>
+          <a:lstStyle/>
+          <a:p>
+            <a:r>
+              <a:rPr lang="en-US" dirty="0"/>
+              <a:t>1. If Agnelli Industries files for bankruptcy after the issuance of the asset-backed security:</a:t>
+            </a:r>
+          </a:p>
+          <a:p>
+            <a:r>
+              <a:rPr lang="en-US" b="1" dirty="0"/>
+              <a:t>A. </a:t>
+            </a:r>
+            <a:r>
+              <a:rPr lang="en-US" dirty="0"/>
+              <a:t>Bond Classes A, B, and C will be unaffected.</a:t>
+            </a:r>
+          </a:p>
+          <a:p>
+            <a:r>
+              <a:rPr lang="en-US" b="1" dirty="0"/>
+              <a:t>B. </a:t>
+            </a:r>
+            <a:r>
+              <a:rPr lang="en-US" dirty="0"/>
+              <a:t>Bond Classes A, B, and C will lose their entire par value.</a:t>
+            </a:r>
+          </a:p>
+          <a:p>
+            <a:r>
+              <a:rPr lang="en-US" b="1" dirty="0"/>
+              <a:t>C. </a:t>
+            </a:r>
+            <a:r>
+              <a:rPr lang="en-US" dirty="0"/>
+              <a:t>Losses will be realized by Bond Class C first, then by Bond Class B, and then by Bond Class A.</a:t>
+            </a:r>
+          </a:p>
+          <a:p>
+            <a:r>
+              <a:rPr lang="en-US" dirty="0"/>
+              <a:t>2. If one of Agnelli’s customers defaults on its €60 million loan:</a:t>
+            </a:r>
+          </a:p>
+          <a:p>
+            <a:r>
+              <a:rPr lang="en-US" b="1" dirty="0"/>
+              <a:t>A. </a:t>
+            </a:r>
+            <a:r>
+              <a:rPr lang="en-US" dirty="0"/>
+              <a:t>Bond Classes A, B, and C will realize losses of €20 million each.</a:t>
+            </a:r>
+          </a:p>
+          <a:p>
+            <a:r>
+              <a:rPr lang="en-US" b="1" dirty="0"/>
+              <a:t>B. </a:t>
+            </a:r>
+            <a:r>
+              <a:rPr lang="en-US" dirty="0"/>
+              <a:t>Bond Class C will realize losses of €60 million, but Bond Classes A and B will be unaffected.</a:t>
+            </a:r>
+          </a:p>
+          <a:p>
+            <a:r>
+              <a:rPr lang="en-US" b="1" dirty="0"/>
+              <a:t>C. </a:t>
+            </a:r>
+            <a:r>
+              <a:rPr lang="en-US" dirty="0"/>
+              <a:t>Bond Classes B and C will realize losses of €30 million each, but Bond Class A will be unaffected.</a:t>
+            </a:r>
+          </a:p>
+        </p:txBody>
+      </p:sp>
+    </p:spTree>
+    <p:extLst>
+      <p:ext uri="{BB962C8B-B14F-4D97-AF65-F5344CB8AC3E}">
+        <p14:creationId xmlns:p14="http://schemas.microsoft.com/office/powerpoint/2010/main" val="2741085952"/>
+      </p:ext>
+    </p:extLst>
+  </p:cSld>
+  <p:clrMapOvr>
+    <a:masterClrMapping/>
+  </p:clrMapOvr>
+</p:sld>
+</file>
+
+<file path=ppt/slides/slide11.xml><?xml version="1.0" encoding="utf-8"?>
+<p:sld xmlns:a="http://schemas.openxmlformats.org/drawingml/2006/main" xmlns:r="http://schemas.openxmlformats.org/officeDocument/2006/relationships" xmlns:p="http://schemas.openxmlformats.org/presentationml/2006/main">
+  <p:cSld>
+    <p:spTree>
+      <p:nvGrpSpPr>
+        <p:cNvPr id="1" name=""/>
+        <p:cNvGrpSpPr/>
+        <p:nvPr/>
+      </p:nvGrpSpPr>
+      <p:grpSpPr>
+        <a:xfrm>
+          <a:off x="0" y="0"/>
+          <a:ext cx="0" cy="0"/>
+          <a:chOff x="0" y="0"/>
+          <a:chExt cx="0" cy="0"/>
+        </a:xfrm>
+      </p:grpSpPr>
+      <p:sp>
+        <p:nvSpPr>
+          <p:cNvPr id="2" name="Title 1">
+            <a:extLst>
+              <a:ext uri="{FF2B5EF4-FFF2-40B4-BE49-F238E27FC236}">
+                <a16:creationId xmlns:a16="http://schemas.microsoft.com/office/drawing/2014/main" id="{7CD310D3-00B5-43BF-8FD3-08403B8A3EC9}"/>
+              </a:ext>
+            </a:extLst>
+          </p:cNvPr>
+          <p:cNvSpPr>
+            <a:spLocks noGrp="1"/>
+          </p:cNvSpPr>
+          <p:nvPr>
+            <p:ph type="title"/>
+          </p:nvPr>
+        </p:nvSpPr>
+        <p:spPr/>
+        <p:txBody>
+          <a:bodyPr>
+            <a:noAutofit/>
+          </a:bodyPr>
+          <a:lstStyle/>
+          <a:p>
+            <a:r>
+              <a:rPr lang="en-US" sz="4000" dirty="0"/>
+              <a:t>Module4</a:t>
+            </a:r>
+            <a:br>
+              <a:rPr lang="en-US" sz="4000" dirty="0"/>
+            </a:br>
+            <a:r>
+              <a:rPr lang="en-US" sz="4000" dirty="0"/>
+              <a:t>Introduction to ASSET-ABCKED SECURITIES</a:t>
+            </a:r>
+          </a:p>
+        </p:txBody>
+      </p:sp>
+      <p:sp>
+        <p:nvSpPr>
+          <p:cNvPr id="3" name="Content Placeholder 2">
+            <a:extLst>
+              <a:ext uri="{FF2B5EF4-FFF2-40B4-BE49-F238E27FC236}">
+                <a16:creationId xmlns:a16="http://schemas.microsoft.com/office/drawing/2014/main" id="{720E608D-FA0E-49FE-80CC-C0E658864C95}"/>
+              </a:ext>
+            </a:extLst>
+          </p:cNvPr>
+          <p:cNvSpPr>
+            <a:spLocks noGrp="1"/>
+          </p:cNvSpPr>
+          <p:nvPr>
+            <p:ph idx="1"/>
+          </p:nvPr>
+        </p:nvSpPr>
+        <p:spPr/>
+        <p:txBody>
+          <a:bodyPr>
+            <a:normAutofit fontScale="92500"/>
+          </a:bodyPr>
+          <a:lstStyle/>
+          <a:p>
+            <a:r>
+              <a:rPr lang="en-US" sz="3500" b="1" dirty="0">
+                <a:solidFill>
+                  <a:srgbClr val="FF0000"/>
+                </a:solidFill>
+              </a:rPr>
+              <a:t>Benefits of securitization</a:t>
+            </a:r>
+          </a:p>
+          <a:p>
+            <a:r>
+              <a:rPr lang="en-US" dirty="0"/>
+              <a:t>It allows investors to achieve more direct legal claims on loan and receivables portfolios.</a:t>
+            </a:r>
+          </a:p>
+          <a:p>
+            <a:r>
+              <a:rPr lang="en-US" dirty="0"/>
+              <a:t>Banks can separate loan origination from financing, improving their profitability via origination fees and reducing capital requirements for loans that are sold.</a:t>
+            </a:r>
+          </a:p>
+          <a:p>
+            <a:r>
+              <a:rPr lang="en-US" dirty="0"/>
+              <a:t>Securitization enables banks to expand lending origination beyond their balance sheets.</a:t>
+            </a:r>
+          </a:p>
+          <a:p>
+            <a:r>
+              <a:rPr lang="en-US" dirty="0"/>
+              <a:t>Securitization allows for the creation of tradable securities with better liquidity than that of the original loans on the bank’s balance sheet.</a:t>
+            </a:r>
+          </a:p>
+          <a:p>
+            <a:r>
+              <a:rPr lang="en-US" dirty="0"/>
+              <a:t>As we will see, securitization is often less costly than a corporate bond issue secured by the same collateral.</a:t>
+            </a:r>
+          </a:p>
+        </p:txBody>
+      </p:sp>
+    </p:spTree>
+    <p:extLst>
+      <p:ext uri="{BB962C8B-B14F-4D97-AF65-F5344CB8AC3E}">
+        <p14:creationId xmlns:p14="http://schemas.microsoft.com/office/powerpoint/2010/main" val="2623443303"/>
       </p:ext>
     </p:extLst>
   </p:cSld>
@@ -25592,7 +25965,7 @@
           <p:cNvPr id="2" name="Title 1">
             <a:extLst>
               <a:ext uri="{FF2B5EF4-FFF2-40B4-BE49-F238E27FC236}">
-                <a16:creationId xmlns:a16="http://schemas.microsoft.com/office/drawing/2014/main" id="{7CD310D3-00B5-43BF-8FD3-08403B8A3EC9}"/>
+                <a16:creationId xmlns:a16="http://schemas.microsoft.com/office/drawing/2014/main" id="{14DF80CF-E2BF-4E63-869F-C6C2F29A1490}"/>
               </a:ext>
             </a:extLst>
           </p:cNvPr>
@@ -25629,7 +26002,7 @@
           <p:cNvPr id="3" name="Content Placeholder 2">
             <a:extLst>
               <a:ext uri="{FF2B5EF4-FFF2-40B4-BE49-F238E27FC236}">
-                <a16:creationId xmlns:a16="http://schemas.microsoft.com/office/drawing/2014/main" id="{720E608D-FA0E-49FE-80CC-C0E658864C95}"/>
+                <a16:creationId xmlns:a16="http://schemas.microsoft.com/office/drawing/2014/main" id="{58C18504-96CF-48A5-9CB0-1FA1A32B42D8}"/>
               </a:ext>
             </a:extLst>
           </p:cNvPr>
@@ -25642,9 +26015,7 @@
         </p:nvSpPr>
         <p:spPr/>
         <p:txBody>
-          <a:bodyPr>
-            <a:normAutofit fontScale="92500"/>
-          </a:bodyPr>
+          <a:bodyPr/>
           <a:lstStyle/>
           <a:p>
             <a:r>
@@ -25653,37 +26024,61 @@
                   <a:srgbClr val="FF0000"/>
                 </a:solidFill>
               </a:rPr>
-              <a:t>Benefits of securitization</a:t>
+              <a:t>Structure of a securitization</a:t>
             </a:r>
           </a:p>
           <a:p>
             <a:r>
               <a:rPr lang="en-US" dirty="0"/>
-              <a:t>It allows investors to achieve more direct legal claims on loan and receivables portfolios.</a:t>
+              <a:t>It is common for securitizations to include a form of internal credit enhancement called subordination, also referred to as </a:t>
+            </a:r>
+            <a:r>
+              <a:rPr lang="en-US" dirty="0">
+                <a:solidFill>
+                  <a:srgbClr val="FF0000"/>
+                </a:solidFill>
+              </a:rPr>
+              <a:t>credit tranching</a:t>
+            </a:r>
+            <a:r>
+              <a:rPr lang="en-US" dirty="0"/>
+              <a:t>.</a:t>
             </a:r>
           </a:p>
           <a:p>
             <a:r>
               <a:rPr lang="en-US" dirty="0"/>
-              <a:t>Banks can separate loan origination from financing, improving their profitability via origination fees and reducing capital requirements for loans that are sold.</a:t>
+              <a:t>The bond classes are classified as </a:t>
+            </a:r>
+            <a:r>
+              <a:rPr lang="en-US" dirty="0">
+                <a:solidFill>
+                  <a:srgbClr val="FF0000"/>
+                </a:solidFill>
+              </a:rPr>
+              <a:t>senior</a:t>
+            </a:r>
+            <a:r>
+              <a:rPr lang="en-US" dirty="0"/>
+              <a:t> bond classes or </a:t>
+            </a:r>
+            <a:r>
+              <a:rPr lang="en-US" dirty="0">
+                <a:solidFill>
+                  <a:srgbClr val="FF0000"/>
+                </a:solidFill>
+              </a:rPr>
+              <a:t>subordinated</a:t>
+            </a:r>
+            <a:r>
+              <a:rPr lang="en-US" dirty="0"/>
+              <a:t>(junior) bond classes.</a:t>
             </a:r>
           </a:p>
           <a:p>
             <a:r>
               <a:rPr lang="en-US" dirty="0"/>
-              <a:t>Securitization enables banks to expand lending origination beyond their balance sheets.</a:t>
-            </a:r>
-          </a:p>
-          <a:p>
-            <a:r>
-              <a:rPr lang="en-US" dirty="0"/>
-              <a:t>Securitization allows for the creation of tradable securities with better liquidity than that of the original loans on the bank’s balance sheet.</a:t>
-            </a:r>
-          </a:p>
-          <a:p>
-            <a:r>
-              <a:rPr lang="en-US" dirty="0"/>
-              <a:t>As we will see, securitization is often less costly than a corporate bond issue secured by the same collateral.</a:t>
+              <a:t>They function as credit protection for the more senior bond classes; that is, losses are realized by the subordinated bond classes before any losses are realized by the senior bond classes.</a:t>
             </a:r>
           </a:p>
         </p:txBody>
@@ -25691,7 +26086,448 @@
     </p:spTree>
     <p:extLst>
       <p:ext uri="{BB962C8B-B14F-4D97-AF65-F5344CB8AC3E}">
-        <p14:creationId xmlns:p14="http://schemas.microsoft.com/office/powerpoint/2010/main" val="2623443303"/>
+        <p14:creationId xmlns:p14="http://schemas.microsoft.com/office/powerpoint/2010/main" val="1188474539"/>
+      </p:ext>
+    </p:extLst>
+  </p:cSld>
+  <p:clrMapOvr>
+    <a:masterClrMapping/>
+  </p:clrMapOvr>
+</p:sld>
+</file>
+
+<file path=ppt/slides/slide8.xml><?xml version="1.0" encoding="utf-8"?>
+<p:sld xmlns:a="http://schemas.openxmlformats.org/drawingml/2006/main" xmlns:r="http://schemas.openxmlformats.org/officeDocument/2006/relationships" xmlns:p="http://schemas.openxmlformats.org/presentationml/2006/main">
+  <p:cSld>
+    <p:spTree>
+      <p:nvGrpSpPr>
+        <p:cNvPr id="1" name=""/>
+        <p:cNvGrpSpPr/>
+        <p:nvPr/>
+      </p:nvGrpSpPr>
+      <p:grpSpPr>
+        <a:xfrm>
+          <a:off x="0" y="0"/>
+          <a:ext cx="0" cy="0"/>
+          <a:chOff x="0" y="0"/>
+          <a:chExt cx="0" cy="0"/>
+        </a:xfrm>
+      </p:grpSpPr>
+      <p:sp>
+        <p:nvSpPr>
+          <p:cNvPr id="2" name="Title 1">
+            <a:extLst>
+              <a:ext uri="{FF2B5EF4-FFF2-40B4-BE49-F238E27FC236}">
+                <a16:creationId xmlns:a16="http://schemas.microsoft.com/office/drawing/2014/main" id="{FD7CDBC3-6CF9-439D-9FD8-6E120373FEC3}"/>
+              </a:ext>
+            </a:extLst>
+          </p:cNvPr>
+          <p:cNvSpPr>
+            <a:spLocks noGrp="1"/>
+          </p:cNvSpPr>
+          <p:nvPr>
+            <p:ph type="title"/>
+          </p:nvPr>
+        </p:nvSpPr>
+        <p:spPr/>
+        <p:txBody>
+          <a:bodyPr>
+            <a:noAutofit/>
+          </a:bodyPr>
+          <a:lstStyle/>
+          <a:p>
+            <a:r>
+              <a:rPr lang="en-US" sz="4000" dirty="0"/>
+              <a:t>Module4</a:t>
+            </a:r>
+            <a:br>
+              <a:rPr lang="en-US" sz="4000" dirty="0"/>
+            </a:br>
+            <a:r>
+              <a:rPr lang="en-US" sz="4000" dirty="0"/>
+              <a:t>Introduction to ASSET-ABCKED SECURITIES</a:t>
+            </a:r>
+          </a:p>
+        </p:txBody>
+      </p:sp>
+      <p:sp>
+        <p:nvSpPr>
+          <p:cNvPr id="3" name="Content Placeholder 2">
+            <a:extLst>
+              <a:ext uri="{FF2B5EF4-FFF2-40B4-BE49-F238E27FC236}">
+                <a16:creationId xmlns:a16="http://schemas.microsoft.com/office/drawing/2014/main" id="{B77D3E3F-F4BC-46DB-B308-33226C73EB26}"/>
+              </a:ext>
+            </a:extLst>
+          </p:cNvPr>
+          <p:cNvSpPr>
+            <a:spLocks noGrp="1"/>
+          </p:cNvSpPr>
+          <p:nvPr>
+            <p:ph idx="1"/>
+          </p:nvPr>
+        </p:nvSpPr>
+        <p:spPr/>
+        <p:txBody>
+          <a:bodyPr/>
+          <a:lstStyle/>
+          <a:p>
+            <a:r>
+              <a:rPr lang="en-US" sz="3200" b="1" dirty="0">
+                <a:solidFill>
+                  <a:srgbClr val="FF0000"/>
+                </a:solidFill>
+              </a:rPr>
+              <a:t>Structure of a securitization</a:t>
+            </a:r>
+          </a:p>
+          <a:p>
+            <a:r>
+              <a:rPr lang="en-US" dirty="0"/>
+              <a:t>The structure of a securitization may also allow the redistribution of another type of risk, called “</a:t>
+            </a:r>
+            <a:r>
+              <a:rPr lang="en-US" dirty="0">
+                <a:solidFill>
+                  <a:srgbClr val="FF0000"/>
+                </a:solidFill>
+              </a:rPr>
+              <a:t>prepayment risk</a:t>
+            </a:r>
+            <a:r>
+              <a:rPr lang="en-US" dirty="0"/>
+              <a:t>,” among bond classes. </a:t>
+            </a:r>
+          </a:p>
+          <a:p>
+            <a:r>
+              <a:rPr lang="en-US" dirty="0"/>
+              <a:t>Prepayment risk is the uncertainty that the cash flows will be different from the scheduled cash flows as set forth in the loan agreement because of the borrowers’ ability to alter payments, usually to take advantage of interest rate movements.</a:t>
+            </a:r>
+          </a:p>
+          <a:p>
+            <a:r>
+              <a:rPr lang="en-US" dirty="0"/>
+              <a:t>The creation of bond classes that possess different expected maturities is referred to as </a:t>
+            </a:r>
+            <a:r>
+              <a:rPr lang="en-US" dirty="0">
+                <a:solidFill>
+                  <a:srgbClr val="FF0000"/>
+                </a:solidFill>
+              </a:rPr>
+              <a:t>time tranching.</a:t>
+            </a:r>
+          </a:p>
+        </p:txBody>
+      </p:sp>
+    </p:spTree>
+    <p:extLst>
+      <p:ext uri="{BB962C8B-B14F-4D97-AF65-F5344CB8AC3E}">
+        <p14:creationId xmlns:p14="http://schemas.microsoft.com/office/powerpoint/2010/main" val="1950128514"/>
+      </p:ext>
+    </p:extLst>
+  </p:cSld>
+  <p:clrMapOvr>
+    <a:masterClrMapping/>
+  </p:clrMapOvr>
+</p:sld>
+</file>
+
+<file path=ppt/slides/slide9.xml><?xml version="1.0" encoding="utf-8"?>
+<p:sld xmlns:a="http://schemas.openxmlformats.org/drawingml/2006/main" xmlns:r="http://schemas.openxmlformats.org/officeDocument/2006/relationships" xmlns:p="http://schemas.openxmlformats.org/presentationml/2006/main">
+  <p:cSld>
+    <p:spTree>
+      <p:nvGrpSpPr>
+        <p:cNvPr id="1" name=""/>
+        <p:cNvGrpSpPr/>
+        <p:nvPr/>
+      </p:nvGrpSpPr>
+      <p:grpSpPr>
+        <a:xfrm>
+          <a:off x="0" y="0"/>
+          <a:ext cx="0" cy="0"/>
+          <a:chOff x="0" y="0"/>
+          <a:chExt cx="0" cy="0"/>
+        </a:xfrm>
+      </p:grpSpPr>
+      <p:sp>
+        <p:nvSpPr>
+          <p:cNvPr id="2" name="Title 1">
+            <a:extLst>
+              <a:ext uri="{FF2B5EF4-FFF2-40B4-BE49-F238E27FC236}">
+                <a16:creationId xmlns:a16="http://schemas.microsoft.com/office/drawing/2014/main" id="{6234024A-7FCD-4692-8254-888373B8BACD}"/>
+              </a:ext>
+            </a:extLst>
+          </p:cNvPr>
+          <p:cNvSpPr>
+            <a:spLocks noGrp="1"/>
+          </p:cNvSpPr>
+          <p:nvPr>
+            <p:ph type="title"/>
+          </p:nvPr>
+        </p:nvSpPr>
+        <p:spPr/>
+        <p:txBody>
+          <a:bodyPr/>
+          <a:lstStyle/>
+          <a:p>
+            <a:r>
+              <a:rPr lang="en-US" dirty="0"/>
+              <a:t>practices</a:t>
+            </a:r>
+          </a:p>
+        </p:txBody>
+      </p:sp>
+      <p:sp>
+        <p:nvSpPr>
+          <p:cNvPr id="3" name="Content Placeholder 2">
+            <a:extLst>
+              <a:ext uri="{FF2B5EF4-FFF2-40B4-BE49-F238E27FC236}">
+                <a16:creationId xmlns:a16="http://schemas.microsoft.com/office/drawing/2014/main" id="{FFD3C3AD-FB65-42EC-9CE4-346D9E673F99}"/>
+              </a:ext>
+            </a:extLst>
+          </p:cNvPr>
+          <p:cNvSpPr>
+            <a:spLocks noGrp="1"/>
+          </p:cNvSpPr>
+          <p:nvPr>
+            <p:ph idx="1"/>
+          </p:nvPr>
+        </p:nvSpPr>
+        <p:spPr/>
+        <p:txBody>
+          <a:bodyPr/>
+          <a:lstStyle/>
+          <a:p>
+            <a:r>
+              <a:rPr lang="en-US" dirty="0"/>
+              <a:t>Agnelli Industries (Agnelli), a manufacturer of industrial machine tools based in Bergamo, Italy, has €500 million of corporate bonds outstanding. These bonds have a credit rating below investment grade. Agnelli has €400 million of receivables on its balance sheet that it would like to securitize. The receivables represent payments Agnelli expects to receive for machine tools it has sold to various customers in Europe. Agnelli sells the receivables to Agnelli Trust, a special purpose entity. Agnelli Trust then issues ABS, backed by the pool of receivables, with the following structure:</a:t>
+            </a:r>
+          </a:p>
+          <a:p>
+            <a:endParaRPr lang="en-US" dirty="0"/>
+          </a:p>
+        </p:txBody>
+      </p:sp>
+      <p:graphicFrame>
+        <p:nvGraphicFramePr>
+          <p:cNvPr id="4" name="Table 3">
+            <a:extLst>
+              <a:ext uri="{FF2B5EF4-FFF2-40B4-BE49-F238E27FC236}">
+                <a16:creationId xmlns:a16="http://schemas.microsoft.com/office/drawing/2014/main" id="{756C7159-C3EB-4BAF-B2DD-EF5AE4016B09}"/>
+              </a:ext>
+            </a:extLst>
+          </p:cNvPr>
+          <p:cNvGraphicFramePr>
+            <a:graphicFrameLocks noGrp="1"/>
+          </p:cNvGraphicFramePr>
+          <p:nvPr>
+            <p:extLst>
+              <p:ext uri="{D42A27DB-BD31-4B8C-83A1-F6EECF244321}">
+                <p14:modId xmlns:p14="http://schemas.microsoft.com/office/powerpoint/2010/main" val="3602696965"/>
+              </p:ext>
+            </p:extLst>
+          </p:nvPr>
+        </p:nvGraphicFramePr>
+        <p:xfrm>
+          <a:off x="1312473" y="4796991"/>
+          <a:ext cx="8128000" cy="1854200"/>
+        </p:xfrm>
+        <a:graphic>
+          <a:graphicData uri="http://schemas.openxmlformats.org/drawingml/2006/table">
+            <a:tbl>
+              <a:tblPr firstRow="1" bandRow="1">
+                <a:tableStyleId>{5C22544A-7EE6-4342-B048-85BDC9FD1C3A}</a:tableStyleId>
+              </a:tblPr>
+              <a:tblGrid>
+                <a:gridCol w="4064000">
+                  <a:extLst>
+                    <a:ext uri="{9D8B030D-6E8A-4147-A177-3AD203B41FA5}">
+                      <a16:colId xmlns:a16="http://schemas.microsoft.com/office/drawing/2014/main" val="4276734488"/>
+                    </a:ext>
+                  </a:extLst>
+                </a:gridCol>
+                <a:gridCol w="4064000">
+                  <a:extLst>
+                    <a:ext uri="{9D8B030D-6E8A-4147-A177-3AD203B41FA5}">
+                      <a16:colId xmlns:a16="http://schemas.microsoft.com/office/drawing/2014/main" val="2678561609"/>
+                    </a:ext>
+                  </a:extLst>
+                </a:gridCol>
+              </a:tblGrid>
+              <a:tr h="370840">
+                <a:tc>
+                  <a:txBody>
+                    <a:bodyPr/>
+                    <a:lstStyle/>
+                    <a:p>
+                      <a:r>
+                        <a:rPr lang="en-US" dirty="0"/>
+                        <a:t>Bond Class</a:t>
+                      </a:r>
+                    </a:p>
+                  </a:txBody>
+                  <a:tcPr/>
+                </a:tc>
+                <a:tc>
+                  <a:txBody>
+                    <a:bodyPr/>
+                    <a:lstStyle/>
+                    <a:p>
+                      <a:r>
+                        <a:rPr lang="en-US" dirty="0"/>
+                        <a:t>Par Value(millions)</a:t>
+                      </a:r>
+                    </a:p>
+                  </a:txBody>
+                  <a:tcPr/>
+                </a:tc>
+                <a:extLst>
+                  <a:ext uri="{0D108BD9-81ED-4DB2-BD59-A6C34878D82A}">
+                    <a16:rowId xmlns:a16="http://schemas.microsoft.com/office/drawing/2014/main" val="4207172073"/>
+                  </a:ext>
+                </a:extLst>
+              </a:tr>
+              <a:tr h="370840">
+                <a:tc>
+                  <a:txBody>
+                    <a:bodyPr/>
+                    <a:lstStyle/>
+                    <a:p>
+                      <a:r>
+                        <a:rPr lang="en-US" dirty="0"/>
+                        <a:t>A(senior)</a:t>
+                      </a:r>
+                    </a:p>
+                  </a:txBody>
+                  <a:tcPr/>
+                </a:tc>
+                <a:tc>
+                  <a:txBody>
+                    <a:bodyPr/>
+                    <a:lstStyle/>
+                    <a:p>
+                      <a:r>
+                        <a:rPr lang="en-US" dirty="0"/>
+                        <a:t>280</a:t>
+                      </a:r>
+                    </a:p>
+                  </a:txBody>
+                  <a:tcPr/>
+                </a:tc>
+                <a:extLst>
+                  <a:ext uri="{0D108BD9-81ED-4DB2-BD59-A6C34878D82A}">
+                    <a16:rowId xmlns:a16="http://schemas.microsoft.com/office/drawing/2014/main" val="975341872"/>
+                  </a:ext>
+                </a:extLst>
+              </a:tr>
+              <a:tr h="370840">
+                <a:tc>
+                  <a:txBody>
+                    <a:bodyPr/>
+                    <a:lstStyle/>
+                    <a:p>
+                      <a:r>
+                        <a:rPr lang="en-US" dirty="0"/>
+                        <a:t>B(Subordinated)</a:t>
+                      </a:r>
+                    </a:p>
+                  </a:txBody>
+                  <a:tcPr/>
+                </a:tc>
+                <a:tc>
+                  <a:txBody>
+                    <a:bodyPr/>
+                    <a:lstStyle/>
+                    <a:p>
+                      <a:r>
+                        <a:rPr lang="en-US" dirty="0"/>
+                        <a:t>60</a:t>
+                      </a:r>
+                    </a:p>
+                  </a:txBody>
+                  <a:tcPr/>
+                </a:tc>
+                <a:extLst>
+                  <a:ext uri="{0D108BD9-81ED-4DB2-BD59-A6C34878D82A}">
+                    <a16:rowId xmlns:a16="http://schemas.microsoft.com/office/drawing/2014/main" val="1427466347"/>
+                  </a:ext>
+                </a:extLst>
+              </a:tr>
+              <a:tr h="370840">
+                <a:tc>
+                  <a:txBody>
+                    <a:bodyPr/>
+                    <a:lstStyle/>
+                    <a:p>
+                      <a:r>
+                        <a:rPr lang="en-US" dirty="0"/>
+                        <a:t>C(Subordinated)</a:t>
+                      </a:r>
+                    </a:p>
+                  </a:txBody>
+                  <a:tcPr/>
+                </a:tc>
+                <a:tc>
+                  <a:txBody>
+                    <a:bodyPr/>
+                    <a:lstStyle/>
+                    <a:p>
+                      <a:r>
+                        <a:rPr lang="en-US" dirty="0"/>
+                        <a:t>60</a:t>
+                      </a:r>
+                    </a:p>
+                  </a:txBody>
+                  <a:tcPr/>
+                </a:tc>
+                <a:extLst>
+                  <a:ext uri="{0D108BD9-81ED-4DB2-BD59-A6C34878D82A}">
+                    <a16:rowId xmlns:a16="http://schemas.microsoft.com/office/drawing/2014/main" val="2997721405"/>
+                  </a:ext>
+                </a:extLst>
+              </a:tr>
+              <a:tr h="370840">
+                <a:tc>
+                  <a:txBody>
+                    <a:bodyPr/>
+                    <a:lstStyle/>
+                    <a:p>
+                      <a:r>
+                        <a:rPr lang="en-US" dirty="0"/>
+                        <a:t>Total</a:t>
+                      </a:r>
+                    </a:p>
+                  </a:txBody>
+                  <a:tcPr/>
+                </a:tc>
+                <a:tc>
+                  <a:txBody>
+                    <a:bodyPr/>
+                    <a:lstStyle/>
+                    <a:p>
+                      <a:r>
+                        <a:rPr lang="en-US" dirty="0"/>
+                        <a:t>400</a:t>
+                      </a:r>
+                    </a:p>
+                  </a:txBody>
+                  <a:tcPr/>
+                </a:tc>
+                <a:extLst>
+                  <a:ext uri="{0D108BD9-81ED-4DB2-BD59-A6C34878D82A}">
+                    <a16:rowId xmlns:a16="http://schemas.microsoft.com/office/drawing/2014/main" val="4229052234"/>
+                  </a:ext>
+                </a:extLst>
+              </a:tr>
+            </a:tbl>
+          </a:graphicData>
+        </a:graphic>
+      </p:graphicFrame>
+    </p:spTree>
+    <p:extLst>
+      <p:ext uri="{BB962C8B-B14F-4D97-AF65-F5344CB8AC3E}">
+        <p14:creationId xmlns:p14="http://schemas.microsoft.com/office/powerpoint/2010/main" val="95247751"/>
       </p:ext>
     </p:extLst>
   </p:cSld>
